--- a/devlog/images/image.pptx
+++ b/devlog/images/image.pptx
@@ -4024,54 +4024,6 @@
           </a:fontRef>
         </p:style>
       </p:cxnSp>
-      <p:cxnSp>
-        <p:nvCxnSpPr>
-          <p:cNvPr id="77" name="직선 화살표 연결선 76">
-            <a:extLst>
-              <a:ext uri="{FF2B5EF4-FFF2-40B4-BE49-F238E27FC236}">
-                <a16:creationId xmlns:a16="http://schemas.microsoft.com/office/drawing/2014/main" id="{349D66F3-E7DE-43BB-BCEA-DCB154F28338}"/>
-              </a:ext>
-            </a:extLst>
-          </p:cNvPr>
-          <p:cNvCxnSpPr>
-            <a:cxnSpLocks/>
-            <a:stCxn id="67" idx="6"/>
-          </p:cNvCxnSpPr>
-          <p:nvPr/>
-        </p:nvCxnSpPr>
-        <p:spPr>
-          <a:xfrm>
-            <a:off x="11590005" y="7619170"/>
-            <a:ext cx="1994459" cy="0"/>
-          </a:xfrm>
-          <a:prstGeom prst="straightConnector1">
-            <a:avLst/>
-          </a:prstGeom>
-          <a:ln w="28575">
-            <a:solidFill>
-              <a:schemeClr val="accent1">
-                <a:lumMod val="60000"/>
-                <a:lumOff val="40000"/>
-              </a:schemeClr>
-            </a:solidFill>
-            <a:tailEnd type="triangle"/>
-          </a:ln>
-        </p:spPr>
-        <p:style>
-          <a:lnRef idx="1">
-            <a:schemeClr val="dk1"/>
-          </a:lnRef>
-          <a:fillRef idx="0">
-            <a:schemeClr val="dk1"/>
-          </a:fillRef>
-          <a:effectRef idx="0">
-            <a:schemeClr val="dk1"/>
-          </a:effectRef>
-          <a:fontRef idx="minor">
-            <a:schemeClr val="tx1"/>
-          </a:fontRef>
-        </p:style>
-      </p:cxnSp>
       <p:sp>
         <p:nvSpPr>
           <p:cNvPr id="79" name="타원 78">
@@ -5185,6 +5137,99 @@
           <a:xfrm>
             <a:off x="22820522" y="2851816"/>
             <a:ext cx="16412" cy="4507312"/>
+          </a:xfrm>
+          <a:prstGeom prst="line">
+            <a:avLst/>
+          </a:prstGeom>
+          <a:ln w="28575">
+            <a:solidFill>
+              <a:schemeClr val="accent1">
+                <a:lumMod val="60000"/>
+                <a:lumOff val="40000"/>
+              </a:schemeClr>
+            </a:solidFill>
+          </a:ln>
+        </p:spPr>
+        <p:style>
+          <a:lnRef idx="1">
+            <a:schemeClr val="accent1"/>
+          </a:lnRef>
+          <a:fillRef idx="0">
+            <a:schemeClr val="accent1"/>
+          </a:fillRef>
+          <a:effectRef idx="0">
+            <a:schemeClr val="accent1"/>
+          </a:effectRef>
+          <a:fontRef idx="minor">
+            <a:schemeClr val="tx1"/>
+          </a:fontRef>
+        </p:style>
+      </p:cxnSp>
+      <p:cxnSp>
+        <p:nvCxnSpPr>
+          <p:cNvPr id="51" name="직선 화살표 연결선 50">
+            <a:extLst>
+              <a:ext uri="{FF2B5EF4-FFF2-40B4-BE49-F238E27FC236}">
+                <a16:creationId xmlns:a16="http://schemas.microsoft.com/office/drawing/2014/main" id="{E0C2B8A3-C196-44C0-99ED-B5B73AFD68AE}"/>
+              </a:ext>
+            </a:extLst>
+          </p:cNvPr>
+          <p:cNvCxnSpPr>
+            <a:cxnSpLocks/>
+            <a:stCxn id="67" idx="6"/>
+            <a:endCxn id="79" idx="2"/>
+          </p:cNvCxnSpPr>
+          <p:nvPr/>
+        </p:nvCxnSpPr>
+        <p:spPr>
+          <a:xfrm>
+            <a:off x="11590005" y="7619170"/>
+            <a:ext cx="1994459" cy="0"/>
+          </a:xfrm>
+          <a:prstGeom prst="straightConnector1">
+            <a:avLst/>
+          </a:prstGeom>
+          <a:ln w="28575">
+            <a:solidFill>
+              <a:schemeClr val="accent1">
+                <a:lumMod val="60000"/>
+                <a:lumOff val="40000"/>
+              </a:schemeClr>
+            </a:solidFill>
+            <a:tailEnd type="triangle"/>
+          </a:ln>
+        </p:spPr>
+        <p:style>
+          <a:lnRef idx="1">
+            <a:schemeClr val="dk1"/>
+          </a:lnRef>
+          <a:fillRef idx="0">
+            <a:schemeClr val="dk1"/>
+          </a:fillRef>
+          <a:effectRef idx="0">
+            <a:schemeClr val="dk1"/>
+          </a:effectRef>
+          <a:fontRef idx="minor">
+            <a:schemeClr val="tx1"/>
+          </a:fontRef>
+        </p:style>
+      </p:cxnSp>
+      <p:cxnSp>
+        <p:nvCxnSpPr>
+          <p:cNvPr id="68" name="직선 연결선 67">
+            <a:extLst>
+              <a:ext uri="{FF2B5EF4-FFF2-40B4-BE49-F238E27FC236}">
+                <a16:creationId xmlns:a16="http://schemas.microsoft.com/office/drawing/2014/main" id="{71AE0DE5-04E4-4847-BD34-15DE7D5D786E}"/>
+              </a:ext>
+            </a:extLst>
+          </p:cNvPr>
+          <p:cNvCxnSpPr/>
+          <p:nvPr/>
+        </p:nvCxnSpPr>
+        <p:spPr>
+          <a:xfrm flipV="1">
+            <a:off x="13178610" y="7661378"/>
+            <a:ext cx="0" cy="1702557"/>
           </a:xfrm>
           <a:prstGeom prst="line">
             <a:avLst/>

--- a/devlog/images/image.pptx
+++ b/devlog/images/image.pptx
@@ -5258,6 +5258,293 @@
           </a:fontRef>
         </p:style>
       </p:cxnSp>
+      <p:grpSp>
+        <p:nvGrpSpPr>
+          <p:cNvPr id="49" name="그룹 48">
+            <a:extLst>
+              <a:ext uri="{FF2B5EF4-FFF2-40B4-BE49-F238E27FC236}">
+                <a16:creationId xmlns:a16="http://schemas.microsoft.com/office/drawing/2014/main" id="{4BEF233F-9A2E-41C6-988B-8079C469B5CC}"/>
+              </a:ext>
+            </a:extLst>
+          </p:cNvPr>
+          <p:cNvGrpSpPr/>
+          <p:nvPr/>
+        </p:nvGrpSpPr>
+        <p:grpSpPr>
+          <a:xfrm>
+            <a:off x="19992443" y="10855017"/>
+            <a:ext cx="1630775" cy="854892"/>
+            <a:chOff x="5587140" y="7619170"/>
+            <a:chExt cx="2470531" cy="1702557"/>
+          </a:xfrm>
+        </p:grpSpPr>
+        <p:cxnSp>
+          <p:nvCxnSpPr>
+            <p:cNvPr id="50" name="직선 화살표 연결선 49">
+              <a:extLst>
+                <a:ext uri="{FF2B5EF4-FFF2-40B4-BE49-F238E27FC236}">
+                  <a16:creationId xmlns:a16="http://schemas.microsoft.com/office/drawing/2014/main" id="{6E42BFE7-3032-48D5-A2F0-D9A24C31C402}"/>
+                </a:ext>
+              </a:extLst>
+            </p:cNvPr>
+            <p:cNvCxnSpPr>
+              <a:cxnSpLocks/>
+            </p:cNvCxnSpPr>
+            <p:nvPr/>
+          </p:nvCxnSpPr>
+          <p:spPr>
+            <a:xfrm>
+              <a:off x="5587140" y="7619170"/>
+              <a:ext cx="2470531" cy="0"/>
+            </a:xfrm>
+            <a:prstGeom prst="straightConnector1">
+              <a:avLst/>
+            </a:prstGeom>
+            <a:ln w="28575">
+              <a:solidFill>
+                <a:schemeClr val="accent1">
+                  <a:lumMod val="60000"/>
+                  <a:lumOff val="40000"/>
+                </a:schemeClr>
+              </a:solidFill>
+              <a:tailEnd type="triangle"/>
+            </a:ln>
+          </p:spPr>
+          <p:style>
+            <a:lnRef idx="1">
+              <a:schemeClr val="dk1"/>
+            </a:lnRef>
+            <a:fillRef idx="0">
+              <a:schemeClr val="dk1"/>
+            </a:fillRef>
+            <a:effectRef idx="0">
+              <a:schemeClr val="dk1"/>
+            </a:effectRef>
+            <a:fontRef idx="minor">
+              <a:schemeClr val="tx1"/>
+            </a:fontRef>
+          </p:style>
+        </p:cxnSp>
+        <p:cxnSp>
+          <p:nvCxnSpPr>
+            <p:cNvPr id="77" name="직선 연결선 76">
+              <a:extLst>
+                <a:ext uri="{FF2B5EF4-FFF2-40B4-BE49-F238E27FC236}">
+                  <a16:creationId xmlns:a16="http://schemas.microsoft.com/office/drawing/2014/main" id="{0E8A0491-2017-4F47-901C-608C83742847}"/>
+                </a:ext>
+              </a:extLst>
+            </p:cNvPr>
+            <p:cNvCxnSpPr/>
+            <p:nvPr/>
+          </p:nvCxnSpPr>
+          <p:spPr>
+            <a:xfrm flipV="1">
+              <a:off x="7118962" y="7619170"/>
+              <a:ext cx="0" cy="1702557"/>
+            </a:xfrm>
+            <a:prstGeom prst="line">
+              <a:avLst/>
+            </a:prstGeom>
+            <a:ln w="28575">
+              <a:solidFill>
+                <a:schemeClr val="accent1">
+                  <a:lumMod val="60000"/>
+                  <a:lumOff val="40000"/>
+                </a:schemeClr>
+              </a:solidFill>
+            </a:ln>
+          </p:spPr>
+          <p:style>
+            <a:lnRef idx="1">
+              <a:schemeClr val="accent1"/>
+            </a:lnRef>
+            <a:fillRef idx="0">
+              <a:schemeClr val="accent1"/>
+            </a:fillRef>
+            <a:effectRef idx="0">
+              <a:schemeClr val="accent1"/>
+            </a:effectRef>
+            <a:fontRef idx="minor">
+              <a:schemeClr val="tx1"/>
+            </a:fontRef>
+          </p:style>
+        </p:cxnSp>
+      </p:grpSp>
+      <p:sp>
+        <p:nvSpPr>
+          <p:cNvPr id="94" name="TextBox 93">
+            <a:extLst>
+              <a:ext uri="{FF2B5EF4-FFF2-40B4-BE49-F238E27FC236}">
+                <a16:creationId xmlns:a16="http://schemas.microsoft.com/office/drawing/2014/main" id="{F8116543-5B37-4FD9-80A4-F90F61961B57}"/>
+              </a:ext>
+            </a:extLst>
+          </p:cNvPr>
+          <p:cNvSpPr txBox="1"/>
+          <p:nvPr/>
+        </p:nvSpPr>
+        <p:spPr>
+          <a:xfrm>
+            <a:off x="21960483" y="10938067"/>
+            <a:ext cx="1205676" cy="477054"/>
+          </a:xfrm>
+          <a:prstGeom prst="rect">
+            <a:avLst/>
+          </a:prstGeom>
+          <a:noFill/>
+        </p:spPr>
+        <p:txBody>
+          <a:bodyPr wrap="square" rtlCol="0">
+            <a:spAutoFit/>
+          </a:bodyPr>
+          <a:lstStyle/>
+          <a:p>
+            <a:r>
+              <a:rPr lang="en-US" altLang="ko-KR" sz="2500">
+                <a:latin typeface="Times New Roman" panose="02020603050405020304" pitchFamily="18" charset="0"/>
+                <a:cs typeface="Times New Roman" panose="02020603050405020304" pitchFamily="18" charset="0"/>
+              </a:rPr>
+              <a:t>merge</a:t>
+            </a:r>
+            <a:endParaRPr lang="ko-KR" altLang="en-US" sz="2500">
+              <a:latin typeface="Times New Roman" panose="02020603050405020304" pitchFamily="18" charset="0"/>
+              <a:cs typeface="Times New Roman" panose="02020603050405020304" pitchFamily="18" charset="0"/>
+            </a:endParaRPr>
+          </a:p>
+        </p:txBody>
+      </p:sp>
+      <p:cxnSp>
+        <p:nvCxnSpPr>
+          <p:cNvPr id="98" name="직선 화살표 연결선 97">
+            <a:extLst>
+              <a:ext uri="{FF2B5EF4-FFF2-40B4-BE49-F238E27FC236}">
+                <a16:creationId xmlns:a16="http://schemas.microsoft.com/office/drawing/2014/main" id="{FB04CA91-0FC4-4957-BF2E-F4CE4212418C}"/>
+              </a:ext>
+            </a:extLst>
+          </p:cNvPr>
+          <p:cNvCxnSpPr>
+            <a:cxnSpLocks/>
+          </p:cNvCxnSpPr>
+          <p:nvPr/>
+        </p:nvCxnSpPr>
+        <p:spPr>
+          <a:xfrm>
+            <a:off x="19992443" y="12203717"/>
+            <a:ext cx="1630775" cy="0"/>
+          </a:xfrm>
+          <a:prstGeom prst="straightConnector1">
+            <a:avLst/>
+          </a:prstGeom>
+          <a:ln w="28575">
+            <a:tailEnd type="triangle"/>
+          </a:ln>
+        </p:spPr>
+        <p:style>
+          <a:lnRef idx="1">
+            <a:schemeClr val="dk1"/>
+          </a:lnRef>
+          <a:fillRef idx="0">
+            <a:schemeClr val="dk1"/>
+          </a:fillRef>
+          <a:effectRef idx="0">
+            <a:schemeClr val="dk1"/>
+          </a:effectRef>
+          <a:fontRef idx="minor">
+            <a:schemeClr val="tx1"/>
+          </a:fontRef>
+        </p:style>
+      </p:cxnSp>
+      <p:sp>
+        <p:nvSpPr>
+          <p:cNvPr id="99" name="TextBox 98">
+            <a:extLst>
+              <a:ext uri="{FF2B5EF4-FFF2-40B4-BE49-F238E27FC236}">
+                <a16:creationId xmlns:a16="http://schemas.microsoft.com/office/drawing/2014/main" id="{5BA41960-936E-4664-B76F-B161250B9E7E}"/>
+              </a:ext>
+            </a:extLst>
+          </p:cNvPr>
+          <p:cNvSpPr txBox="1"/>
+          <p:nvPr/>
+        </p:nvSpPr>
+        <p:spPr>
+          <a:xfrm>
+            <a:off x="21960482" y="11922816"/>
+            <a:ext cx="2488499" cy="477054"/>
+          </a:xfrm>
+          <a:prstGeom prst="rect">
+            <a:avLst/>
+          </a:prstGeom>
+          <a:noFill/>
+        </p:spPr>
+        <p:txBody>
+          <a:bodyPr wrap="square" rtlCol="0">
+            <a:spAutoFit/>
+          </a:bodyPr>
+          <a:lstStyle/>
+          <a:p>
+            <a:r>
+              <a:rPr lang="en-US" altLang="ko-KR" sz="2500">
+                <a:latin typeface="Times New Roman" panose="02020603050405020304" pitchFamily="18" charset="0"/>
+                <a:cs typeface="Times New Roman" panose="02020603050405020304" pitchFamily="18" charset="0"/>
+              </a:rPr>
+              <a:t>checkout branch</a:t>
+            </a:r>
+            <a:endParaRPr lang="ko-KR" altLang="en-US" sz="2500">
+              <a:latin typeface="Times New Roman" panose="02020603050405020304" pitchFamily="18" charset="0"/>
+              <a:cs typeface="Times New Roman" panose="02020603050405020304" pitchFamily="18" charset="0"/>
+            </a:endParaRPr>
+          </a:p>
+        </p:txBody>
+      </p:sp>
+      <p:sp>
+        <p:nvSpPr>
+          <p:cNvPr id="4" name="사각형: 둥근 모서리 3">
+            <a:extLst>
+              <a:ext uri="{FF2B5EF4-FFF2-40B4-BE49-F238E27FC236}">
+                <a16:creationId xmlns:a16="http://schemas.microsoft.com/office/drawing/2014/main" id="{15A56F01-80F2-4FB7-AE13-416F801F6D02}"/>
+              </a:ext>
+            </a:extLst>
+          </p:cNvPr>
+          <p:cNvSpPr/>
+          <p:nvPr/>
+        </p:nvSpPr>
+        <p:spPr>
+          <a:xfrm>
+            <a:off x="19285421" y="10299363"/>
+            <a:ext cx="5671122" cy="2599023"/>
+          </a:xfrm>
+          <a:prstGeom prst="roundRect">
+            <a:avLst/>
+          </a:prstGeom>
+          <a:noFill/>
+          <a:ln>
+            <a:prstDash val="sysDash"/>
+          </a:ln>
+        </p:spPr>
+        <p:style>
+          <a:lnRef idx="2">
+            <a:schemeClr val="accent1">
+              <a:shade val="50000"/>
+            </a:schemeClr>
+          </a:lnRef>
+          <a:fillRef idx="1">
+            <a:schemeClr val="accent1"/>
+          </a:fillRef>
+          <a:effectRef idx="0">
+            <a:schemeClr val="accent1"/>
+          </a:effectRef>
+          <a:fontRef idx="minor">
+            <a:schemeClr val="lt1"/>
+          </a:fontRef>
+        </p:style>
+        <p:txBody>
+          <a:bodyPr rtlCol="0" anchor="ctr"/>
+          <a:lstStyle/>
+          <a:p>
+            <a:pPr algn="ctr"/>
+            <a:endParaRPr lang="ko-KR" altLang="en-US"/>
+          </a:p>
+        </p:txBody>
+      </p:sp>
     </p:spTree>
     <p:extLst>
       <p:ext uri="{BB962C8B-B14F-4D97-AF65-F5344CB8AC3E}">
